--- a/figures/Derm GPT4 vs Gemini Schematic.pptx
+++ b/figures/Derm GPT4 vs Gemini Schematic.pptx
@@ -5150,7 +5150,7 @@
         </p:nvGrpSpPr>
         <p:grpSpPr>
           <a:xfrm>
-            <a:off x="1477826" y="2332290"/>
+            <a:off x="1001307" y="2332290"/>
             <a:ext cx="1027229" cy="1130329"/>
             <a:chOff x="1376971" y="2728460"/>
             <a:chExt cx="1144800" cy="1259700"/>
@@ -5268,7 +5268,7 @@
         </p:blipFill>
         <p:spPr>
           <a:xfrm>
-            <a:off x="3069834" y="4298028"/>
+            <a:off x="2593315" y="4298028"/>
             <a:ext cx="178368" cy="229459"/>
           </a:xfrm>
           <a:prstGeom prst="rect">
@@ -5301,7 +5301,7 @@
         </p:blipFill>
         <p:spPr>
           <a:xfrm>
-            <a:off x="3078731" y="4484698"/>
+            <a:off x="2602212" y="4484698"/>
             <a:ext cx="160575" cy="193182"/>
           </a:xfrm>
           <a:prstGeom prst="rect">
@@ -5334,7 +5334,7 @@
         </p:blipFill>
         <p:spPr>
           <a:xfrm>
-            <a:off x="3074349" y="4646396"/>
+            <a:off x="2597830" y="4646396"/>
             <a:ext cx="178368" cy="229459"/>
           </a:xfrm>
           <a:prstGeom prst="rect">
@@ -5367,7 +5367,7 @@
         </p:blipFill>
         <p:spPr>
           <a:xfrm>
-            <a:off x="3083246" y="4833066"/>
+            <a:off x="2606727" y="4833066"/>
             <a:ext cx="160575" cy="193182"/>
           </a:xfrm>
           <a:prstGeom prst="rect">
@@ -5400,7 +5400,7 @@
         </p:blipFill>
         <p:spPr>
           <a:xfrm>
-            <a:off x="3064924" y="5005597"/>
+            <a:off x="2588405" y="5005597"/>
             <a:ext cx="178368" cy="229459"/>
           </a:xfrm>
           <a:prstGeom prst="rect">
@@ -5433,7 +5433,7 @@
         </p:blipFill>
         <p:spPr>
           <a:xfrm>
-            <a:off x="3073821" y="5192267"/>
+            <a:off x="2597302" y="5192267"/>
             <a:ext cx="160575" cy="193182"/>
           </a:xfrm>
           <a:prstGeom prst="rect">
@@ -5466,7 +5466,7 @@
         </p:blipFill>
         <p:spPr>
           <a:xfrm>
-            <a:off x="3069707" y="3947727"/>
+            <a:off x="2593188" y="3947727"/>
             <a:ext cx="178368" cy="229459"/>
           </a:xfrm>
           <a:prstGeom prst="rect">
@@ -5499,7 +5499,7 @@
         </p:blipFill>
         <p:spPr>
           <a:xfrm>
-            <a:off x="3078604" y="4134397"/>
+            <a:off x="2602085" y="4134397"/>
             <a:ext cx="160575" cy="193182"/>
           </a:xfrm>
           <a:prstGeom prst="rect">
@@ -5519,7 +5519,7 @@
         </p:nvGrpSpPr>
         <p:grpSpPr>
           <a:xfrm>
-            <a:off x="3032779" y="2341261"/>
+            <a:off x="2556260" y="2341261"/>
             <a:ext cx="1027229" cy="1130329"/>
             <a:chOff x="1376971" y="2728460"/>
             <a:chExt cx="1144800" cy="1259700"/>
@@ -5608,7 +5608,7 @@
         </p:nvGrpSpPr>
         <p:grpSpPr>
           <a:xfrm>
-            <a:off x="2964404" y="2204510"/>
+            <a:off x="2487885" y="2204510"/>
             <a:ext cx="1027229" cy="1130329"/>
             <a:chOff x="1376971" y="2728460"/>
             <a:chExt cx="1144800" cy="1259700"/>
@@ -5697,7 +5697,7 @@
         </p:nvSpPr>
         <p:spPr>
           <a:xfrm>
-            <a:off x="6512252" y="2420262"/>
+            <a:off x="6035733" y="2420262"/>
             <a:ext cx="1623300" cy="456000"/>
           </a:xfrm>
           <a:prstGeom prst="rect">
@@ -5715,14 +5715,14 @@
           <a:lstStyle/>
           <a:p>
             <a:r>
-              <a:rPr lang="en" sz="1600" b="1">
+              <a:rPr lang="en" sz="1600" b="1" dirty="0">
                 <a:solidFill>
                   <a:schemeClr val="dk1"/>
                 </a:solidFill>
               </a:rPr>
               <a:t>Responses</a:t>
             </a:r>
-            <a:endParaRPr sz="1600" b="1">
+            <a:endParaRPr sz="1600" b="1" dirty="0">
               <a:solidFill>
                 <a:schemeClr val="dk1"/>
               </a:solidFill>
@@ -5738,7 +5738,7 @@
         </p:nvSpPr>
         <p:spPr>
           <a:xfrm>
-            <a:off x="6512252" y="3263112"/>
+            <a:off x="6039075" y="3704419"/>
             <a:ext cx="1623300" cy="456000"/>
           </a:xfrm>
           <a:prstGeom prst="rect">
@@ -5756,14 +5756,14 @@
           <a:lstStyle/>
           <a:p>
             <a:r>
-              <a:rPr lang="en" sz="1600" b="1">
+              <a:rPr lang="en" sz="1600" b="1" dirty="0">
                 <a:solidFill>
                   <a:schemeClr val="dk1"/>
                 </a:solidFill>
               </a:rPr>
               <a:t>Refusals</a:t>
             </a:r>
-            <a:endParaRPr sz="1600" b="1">
+            <a:endParaRPr sz="1600" b="1" dirty="0">
               <a:solidFill>
                 <a:schemeClr val="dk1"/>
               </a:solidFill>
@@ -5779,7 +5779,7 @@
         </p:nvSpPr>
         <p:spPr>
           <a:xfrm>
-            <a:off x="6606152" y="2774412"/>
+            <a:off x="6129633" y="2774412"/>
             <a:ext cx="2455800" cy="399000"/>
           </a:xfrm>
           <a:prstGeom prst="rect">
@@ -5838,7 +5838,7 @@
         </p:blipFill>
         <p:spPr>
           <a:xfrm>
-            <a:off x="5036114" y="2227825"/>
+            <a:off x="4559595" y="2227825"/>
             <a:ext cx="602374" cy="602350"/>
           </a:xfrm>
           <a:prstGeom prst="rect">
@@ -5865,7 +5865,7 @@
         </p:blipFill>
         <p:spPr>
           <a:xfrm>
-            <a:off x="4994428" y="3508749"/>
+            <a:off x="4517909" y="3508749"/>
             <a:ext cx="637999" cy="602346"/>
           </a:xfrm>
           <a:prstGeom prst="rect">
@@ -5885,7 +5885,7 @@
         </p:nvSpPr>
         <p:spPr>
           <a:xfrm>
-            <a:off x="6606152" y="3603762"/>
+            <a:off x="6129633" y="4069275"/>
             <a:ext cx="2455800" cy="638100"/>
           </a:xfrm>
           <a:prstGeom prst="rect">
@@ -5936,7 +5936,7 @@
         </p:nvSpPr>
         <p:spPr>
           <a:xfrm>
-            <a:off x="4317752" y="2754600"/>
+            <a:off x="3841233" y="2754600"/>
             <a:ext cx="2039100" cy="638100"/>
           </a:xfrm>
           <a:prstGeom prst="rect">
@@ -5994,7 +5994,7 @@
         </p:nvSpPr>
         <p:spPr>
           <a:xfrm>
-            <a:off x="4525652" y="4069275"/>
+            <a:off x="4049133" y="4069275"/>
             <a:ext cx="1623300" cy="638100"/>
           </a:xfrm>
           <a:prstGeom prst="rect">
@@ -6036,7 +6036,7 @@
         </p:nvGrpSpPr>
         <p:grpSpPr>
           <a:xfrm>
-            <a:off x="3080055" y="2123737"/>
+            <a:off x="2603536" y="2123737"/>
             <a:ext cx="1027119" cy="1130220"/>
             <a:chOff x="1426809" y="1069610"/>
             <a:chExt cx="1144678" cy="1259578"/>
@@ -6152,7 +6152,7 @@
         </p:nvSpPr>
         <p:spPr>
           <a:xfrm>
-            <a:off x="2584580" y="1706462"/>
+            <a:off x="2108061" y="1706462"/>
             <a:ext cx="1923600" cy="456000"/>
           </a:xfrm>
           <a:prstGeom prst="rect">
@@ -6194,7 +6194,7 @@
         </p:nvSpPr>
         <p:spPr>
           <a:xfrm>
-            <a:off x="1786014" y="3568651"/>
+            <a:off x="1309495" y="3568651"/>
             <a:ext cx="1923600" cy="456000"/>
           </a:xfrm>
           <a:prstGeom prst="rect">
@@ -6236,10 +6236,10 @@
         </p:nvGrpSpPr>
         <p:grpSpPr>
           <a:xfrm>
-            <a:off x="9350778" y="2028012"/>
-            <a:ext cx="1657025" cy="1504800"/>
-            <a:chOff x="6858200" y="2075100"/>
-            <a:chExt cx="1657025" cy="1504800"/>
+            <a:off x="9071485" y="2366278"/>
+            <a:ext cx="1371643" cy="1302433"/>
+            <a:chOff x="7106125" y="2303700"/>
+            <a:chExt cx="1351800" cy="1276200"/>
           </a:xfrm>
         </p:grpSpPr>
         <p:sp>
@@ -6404,170 +6404,6 @@
             </a:p>
           </p:txBody>
         </p:sp>
-        <p:sp>
-          <p:nvSpPr>
-            <p:cNvPr id="79" name="Google Shape;79;p13"/>
-            <p:cNvSpPr txBox="1"/>
-            <p:nvPr/>
-          </p:nvSpPr>
-          <p:spPr>
-            <a:xfrm>
-              <a:off x="7126400" y="2075100"/>
-              <a:ext cx="750600" cy="268200"/>
-            </a:xfrm>
-            <a:prstGeom prst="rect">
-              <a:avLst/>
-            </a:prstGeom>
-            <a:noFill/>
-            <a:ln>
-              <a:noFill/>
-            </a:ln>
-          </p:spPr>
-          <p:txBody>
-            <a:bodyPr spcFirstLastPara="1" wrap="square" lIns="91425" tIns="91425" rIns="91425" bIns="91425" anchor="t" anchorCtr="0">
-              <a:noAutofit/>
-            </a:bodyPr>
-            <a:lstStyle/>
-            <a:p>
-              <a:r>
-                <a:rPr lang="en" sz="800" b="1">
-                  <a:solidFill>
-                    <a:schemeClr val="dk1"/>
-                  </a:solidFill>
-                </a:rPr>
-                <a:t>Malignant</a:t>
-              </a:r>
-              <a:endParaRPr sz="800" b="1">
-                <a:solidFill>
-                  <a:schemeClr val="dk1"/>
-                </a:solidFill>
-              </a:endParaRPr>
-            </a:p>
-          </p:txBody>
-        </p:sp>
-        <p:sp>
-          <p:nvSpPr>
-            <p:cNvPr id="80" name="Google Shape;80;p13"/>
-            <p:cNvSpPr txBox="1"/>
-            <p:nvPr/>
-          </p:nvSpPr>
-          <p:spPr>
-            <a:xfrm>
-              <a:off x="7877125" y="2075100"/>
-              <a:ext cx="638100" cy="268200"/>
-            </a:xfrm>
-            <a:prstGeom prst="rect">
-              <a:avLst/>
-            </a:prstGeom>
-            <a:noFill/>
-            <a:ln>
-              <a:noFill/>
-            </a:ln>
-          </p:spPr>
-          <p:txBody>
-            <a:bodyPr spcFirstLastPara="1" wrap="square" lIns="91425" tIns="91425" rIns="91425" bIns="91425" anchor="t" anchorCtr="0">
-              <a:noAutofit/>
-            </a:bodyPr>
-            <a:lstStyle/>
-            <a:p>
-              <a:r>
-                <a:rPr lang="en" sz="800" b="1">
-                  <a:solidFill>
-                    <a:schemeClr val="dk1"/>
-                  </a:solidFill>
-                </a:rPr>
-                <a:t>Benign</a:t>
-              </a:r>
-              <a:endParaRPr sz="800" b="1">
-                <a:solidFill>
-                  <a:schemeClr val="dk1"/>
-                </a:solidFill>
-              </a:endParaRPr>
-            </a:p>
-          </p:txBody>
-        </p:sp>
-        <p:sp>
-          <p:nvSpPr>
-            <p:cNvPr id="81" name="Google Shape;81;p13"/>
-            <p:cNvSpPr txBox="1"/>
-            <p:nvPr/>
-          </p:nvSpPr>
-          <p:spPr>
-            <a:xfrm rot="-5400000">
-              <a:off x="6673250" y="3126750"/>
-              <a:ext cx="638100" cy="268200"/>
-            </a:xfrm>
-            <a:prstGeom prst="rect">
-              <a:avLst/>
-            </a:prstGeom>
-            <a:noFill/>
-            <a:ln>
-              <a:noFill/>
-            </a:ln>
-          </p:spPr>
-          <p:txBody>
-            <a:bodyPr spcFirstLastPara="1" wrap="square" lIns="91425" tIns="91425" rIns="91425" bIns="91425" anchor="t" anchorCtr="0">
-              <a:noAutofit/>
-            </a:bodyPr>
-            <a:lstStyle/>
-            <a:p>
-              <a:r>
-                <a:rPr lang="en" sz="800" b="1">
-                  <a:solidFill>
-                    <a:schemeClr val="dk1"/>
-                  </a:solidFill>
-                </a:rPr>
-                <a:t>Benign</a:t>
-              </a:r>
-              <a:endParaRPr sz="800" b="1">
-                <a:solidFill>
-                  <a:schemeClr val="dk1"/>
-                </a:solidFill>
-              </a:endParaRPr>
-            </a:p>
-          </p:txBody>
-        </p:sp>
-        <p:sp>
-          <p:nvSpPr>
-            <p:cNvPr id="82" name="Google Shape;82;p13"/>
-            <p:cNvSpPr txBox="1"/>
-            <p:nvPr/>
-          </p:nvSpPr>
-          <p:spPr>
-            <a:xfrm rot="-5400000">
-              <a:off x="6656600" y="2511600"/>
-              <a:ext cx="671400" cy="268200"/>
-            </a:xfrm>
-            <a:prstGeom prst="rect">
-              <a:avLst/>
-            </a:prstGeom>
-            <a:noFill/>
-            <a:ln>
-              <a:noFill/>
-            </a:ln>
-          </p:spPr>
-          <p:txBody>
-            <a:bodyPr spcFirstLastPara="1" wrap="square" lIns="91425" tIns="91425" rIns="91425" bIns="91425" anchor="t" anchorCtr="0">
-              <a:noAutofit/>
-            </a:bodyPr>
-            <a:lstStyle/>
-            <a:p>
-              <a:r>
-                <a:rPr lang="en" sz="800" b="1">
-                  <a:solidFill>
-                    <a:schemeClr val="dk1"/>
-                  </a:solidFill>
-                </a:rPr>
-                <a:t>Malignant</a:t>
-              </a:r>
-              <a:endParaRPr sz="800" b="1">
-                <a:solidFill>
-                  <a:schemeClr val="dk1"/>
-                </a:solidFill>
-              </a:endParaRPr>
-            </a:p>
-          </p:txBody>
-        </p:sp>
       </p:grpSp>
       <p:sp>
         <p:nvSpPr>
@@ -6577,7 +6413,7 @@
         </p:nvSpPr>
         <p:spPr>
           <a:xfrm>
-            <a:off x="4256377" y="2046952"/>
+            <a:off x="3779858" y="2046952"/>
             <a:ext cx="2297750" cy="891800"/>
           </a:xfrm>
           <a:custGeom>
@@ -6646,7 +6482,7 @@
         </p:nvSpPr>
         <p:spPr>
           <a:xfrm>
-            <a:off x="4280252" y="4024263"/>
+            <a:off x="3803733" y="4024263"/>
             <a:ext cx="2250650" cy="775075"/>
           </a:xfrm>
           <a:custGeom>
@@ -6715,7 +6551,7 @@
         </p:nvGrpSpPr>
         <p:grpSpPr>
           <a:xfrm>
-            <a:off x="4172928" y="3128063"/>
+            <a:off x="3696409" y="3128063"/>
             <a:ext cx="641025" cy="602375"/>
             <a:chOff x="1810725" y="2335900"/>
             <a:chExt cx="641025" cy="602375"/>
@@ -6849,7 +6685,7 @@
         </p:nvGrpSpPr>
         <p:grpSpPr>
           <a:xfrm>
-            <a:off x="5751828" y="3113725"/>
+            <a:off x="5275309" y="3113725"/>
             <a:ext cx="641025" cy="602375"/>
             <a:chOff x="1810725" y="2335900"/>
             <a:chExt cx="641025" cy="602375"/>
@@ -6983,8 +6819,8 @@
         </p:nvSpPr>
         <p:spPr>
           <a:xfrm>
-            <a:off x="9068278" y="2033736"/>
-            <a:ext cx="801475" cy="837675"/>
+            <a:off x="8591759" y="2128022"/>
+            <a:ext cx="801475" cy="743389"/>
           </a:xfrm>
           <a:custGeom>
             <a:avLst/>
@@ -7042,8 +6878,8 @@
         </p:nvSpPr>
         <p:spPr>
           <a:xfrm>
-            <a:off x="9079877" y="4114286"/>
-            <a:ext cx="703450" cy="1213217"/>
+            <a:off x="8603358" y="4114286"/>
+            <a:ext cx="518826" cy="1213217"/>
           </a:xfrm>
           <a:custGeom>
             <a:avLst/>
@@ -7100,13 +6936,13 @@
           <p:nvPr>
             <p:extLst>
               <p:ext uri="{D42A27DB-BD31-4B8C-83A1-F6EECF244321}">
-                <p14:modId xmlns:p14="http://schemas.microsoft.com/office/powerpoint/2010/main" val="3143584106"/>
+                <p14:modId xmlns:p14="http://schemas.microsoft.com/office/powerpoint/2010/main" val="1772134791"/>
               </p:ext>
             </p:extLst>
           </p:nvPr>
         </p:nvGraphicFramePr>
         <p:xfrm>
-          <a:off x="9619853" y="4111482"/>
+          <a:off x="9089531" y="4104973"/>
           <a:ext cx="1400275" cy="1046620"/>
         </p:xfrm>
         <a:graphic>
@@ -7275,10 +7111,10 @@
                         <a:buNone/>
                       </a:pPr>
                       <a:r>
-                        <a:rPr lang="en" sz="1000"/>
+                        <a:rPr lang="en" sz="1000" dirty="0"/>
                         <a:t> Gemini</a:t>
                       </a:r>
-                      <a:endParaRPr sz="1000"/>
+                      <a:endParaRPr sz="1000" dirty="0"/>
                     </a:p>
                   </a:txBody>
                   <a:tcPr marL="0" marR="0" marT="0" marB="0" anchor="ctr">
@@ -7875,7 +7711,7 @@
         </p:nvSpPr>
         <p:spPr>
           <a:xfrm>
-            <a:off x="9725252" y="3806824"/>
+            <a:off x="9138131" y="3805476"/>
             <a:ext cx="1254600" cy="202429"/>
           </a:xfrm>
           <a:prstGeom prst="rect">
@@ -7921,23 +7757,77 @@
           </a:p>
         </p:txBody>
       </p:sp>
+      <p:pic>
+        <p:nvPicPr>
+          <p:cNvPr id="98" name="Google Shape;98;p13"/>
+          <p:cNvPicPr preferRelativeResize="0"/>
+          <p:nvPr/>
+        </p:nvPicPr>
+        <p:blipFill rotWithShape="1">
+          <a:blip r:embed="rId8">
+            <a:alphaModFix/>
+          </a:blip>
+          <a:srcRect l="9930" r="73169" b="64279"/>
+          <a:stretch/>
+        </p:blipFill>
+        <p:spPr>
+          <a:xfrm rot="16200000">
+            <a:off x="10707271" y="2528581"/>
+            <a:ext cx="376315" cy="284150"/>
+          </a:xfrm>
+          <a:prstGeom prst="rect">
+            <a:avLst/>
+          </a:prstGeom>
+          <a:noFill/>
+          <a:ln>
+            <a:noFill/>
+          </a:ln>
+        </p:spPr>
+      </p:pic>
+      <p:pic>
+        <p:nvPicPr>
+          <p:cNvPr id="99" name="Google Shape;99;p13"/>
+          <p:cNvPicPr preferRelativeResize="0"/>
+          <p:nvPr/>
+        </p:nvPicPr>
+        <p:blipFill rotWithShape="1">
+          <a:blip r:embed="rId8">
+            <a:alphaModFix/>
+          </a:blip>
+          <a:srcRect l="57512" t="64279" r="25586"/>
+          <a:stretch/>
+        </p:blipFill>
+        <p:spPr>
+          <a:xfrm rot="16200000">
+            <a:off x="10707271" y="3330373"/>
+            <a:ext cx="376315" cy="284150"/>
+          </a:xfrm>
+          <a:prstGeom prst="rect">
+            <a:avLst/>
+          </a:prstGeom>
+          <a:noFill/>
+          <a:ln>
+            <a:noFill/>
+          </a:ln>
+        </p:spPr>
+      </p:pic>
       <p:grpSp>
         <p:nvGrpSpPr>
-          <p:cNvPr id="97" name="Google Shape;97;p13"/>
+          <p:cNvPr id="100" name="Google Shape;100;p13"/>
           <p:cNvGrpSpPr/>
           <p:nvPr/>
         </p:nvGrpSpPr>
         <p:grpSpPr>
-          <a:xfrm>
-            <a:off x="11277653" y="2351517"/>
-            <a:ext cx="284152" cy="1181264"/>
-            <a:chOff x="9040610" y="1682163"/>
-            <a:chExt cx="284152" cy="913372"/>
+          <a:xfrm rot="16200000">
+            <a:off x="10707264" y="2931057"/>
+            <a:ext cx="376332" cy="284150"/>
+            <a:chOff x="4848075" y="1328100"/>
+            <a:chExt cx="325452" cy="284150"/>
           </a:xfrm>
         </p:grpSpPr>
         <p:pic>
           <p:nvPicPr>
-            <p:cNvPr id="98" name="Google Shape;98;p13"/>
+            <p:cNvPr id="101" name="Google Shape;101;p13"/>
             <p:cNvPicPr preferRelativeResize="0"/>
             <p:nvPr/>
           </p:nvPicPr>
@@ -7945,13 +7835,13 @@
             <a:blip r:embed="rId8">
               <a:alphaModFix/>
             </a:blip>
-            <a:srcRect l="9930" r="73169" b="64279"/>
+            <a:srcRect l="66035" r="24513" b="64278"/>
             <a:stretch/>
           </p:blipFill>
           <p:spPr>
-            <a:xfrm rot="5400000">
-              <a:off x="9037199" y="1685574"/>
-              <a:ext cx="290973" cy="284150"/>
+            <a:xfrm>
+              <a:off x="4848075" y="1328100"/>
+              <a:ext cx="162727" cy="284150"/>
             </a:xfrm>
             <a:prstGeom prst="rect">
               <a:avLst/>
@@ -7964,7 +7854,7 @@
         </p:pic>
         <p:pic>
           <p:nvPicPr>
-            <p:cNvPr id="99" name="Google Shape;99;p13"/>
+            <p:cNvPr id="102" name="Google Shape;102;p13"/>
             <p:cNvPicPr preferRelativeResize="0"/>
             <p:nvPr/>
           </p:nvPicPr>
@@ -7972,13 +7862,13 @@
             <a:blip r:embed="rId8">
               <a:alphaModFix/>
             </a:blip>
-            <a:srcRect l="57512" t="64279" r="25586"/>
+            <a:srcRect l="4912" t="36995" r="84329" b="18490"/>
             <a:stretch/>
           </p:blipFill>
           <p:spPr>
-            <a:xfrm rot="5400000">
-              <a:off x="9037199" y="2307974"/>
-              <a:ext cx="290973" cy="284150"/>
+            <a:xfrm>
+              <a:off x="5010800" y="1328100"/>
+              <a:ext cx="162727" cy="284150"/>
             </a:xfrm>
             <a:prstGeom prst="rect">
               <a:avLst/>
@@ -7989,75 +7879,6 @@
             </a:ln>
           </p:spPr>
         </p:pic>
-        <p:grpSp>
-          <p:nvGrpSpPr>
-            <p:cNvPr id="100" name="Google Shape;100;p13"/>
-            <p:cNvGrpSpPr/>
-            <p:nvPr/>
-          </p:nvGrpSpPr>
-          <p:grpSpPr>
-            <a:xfrm rot="5400000">
-              <a:off x="9037194" y="1996775"/>
-              <a:ext cx="290986" cy="284150"/>
-              <a:chOff x="4848075" y="1328100"/>
-              <a:chExt cx="325452" cy="284150"/>
-            </a:xfrm>
-          </p:grpSpPr>
-          <p:pic>
-            <p:nvPicPr>
-              <p:cNvPr id="101" name="Google Shape;101;p13"/>
-              <p:cNvPicPr preferRelativeResize="0"/>
-              <p:nvPr/>
-            </p:nvPicPr>
-            <p:blipFill rotWithShape="1">
-              <a:blip r:embed="rId8">
-                <a:alphaModFix/>
-              </a:blip>
-              <a:srcRect l="66035" r="24513" b="64278"/>
-              <a:stretch/>
-            </p:blipFill>
-            <p:spPr>
-              <a:xfrm>
-                <a:off x="4848075" y="1328100"/>
-                <a:ext cx="162727" cy="284150"/>
-              </a:xfrm>
-              <a:prstGeom prst="rect">
-                <a:avLst/>
-              </a:prstGeom>
-              <a:noFill/>
-              <a:ln>
-                <a:noFill/>
-              </a:ln>
-            </p:spPr>
-          </p:pic>
-          <p:pic>
-            <p:nvPicPr>
-              <p:cNvPr id="102" name="Google Shape;102;p13"/>
-              <p:cNvPicPr preferRelativeResize="0"/>
-              <p:nvPr/>
-            </p:nvPicPr>
-            <p:blipFill rotWithShape="1">
-              <a:blip r:embed="rId8">
-                <a:alphaModFix/>
-              </a:blip>
-              <a:srcRect l="4912" t="36995" r="84329" b="18490"/>
-              <a:stretch/>
-            </p:blipFill>
-            <p:spPr>
-              <a:xfrm>
-                <a:off x="5010800" y="1328100"/>
-                <a:ext cx="162727" cy="284150"/>
-              </a:xfrm>
-              <a:prstGeom prst="rect">
-                <a:avLst/>
-              </a:prstGeom>
-              <a:noFill/>
-              <a:ln>
-                <a:noFill/>
-              </a:ln>
-            </p:spPr>
-          </p:pic>
-        </p:grpSp>
       </p:grpSp>
       <p:sp>
         <p:nvSpPr>
@@ -8067,7 +7888,7 @@
         </p:nvSpPr>
         <p:spPr>
           <a:xfrm>
-            <a:off x="10967427" y="2000437"/>
+            <a:off x="10443127" y="2128022"/>
             <a:ext cx="904500" cy="456000"/>
           </a:xfrm>
           <a:prstGeom prst="rect">
@@ -8086,14 +7907,14 @@
           <a:p>
             <a:pPr algn="ctr"/>
             <a:r>
-              <a:rPr lang="en" sz="1300">
+              <a:rPr lang="en" sz="1300" dirty="0">
                 <a:solidFill>
                   <a:schemeClr val="dk1"/>
                 </a:solidFill>
               </a:rPr>
               <a:t>FST</a:t>
             </a:r>
-            <a:endParaRPr sz="1300">
+            <a:endParaRPr sz="1300" dirty="0">
               <a:solidFill>
                 <a:schemeClr val="dk1"/>
               </a:solidFill>
@@ -8109,7 +7930,7 @@
         </p:nvSpPr>
         <p:spPr>
           <a:xfrm>
-            <a:off x="10967427" y="2620762"/>
+            <a:off x="10443128" y="2800156"/>
             <a:ext cx="284100" cy="461700"/>
           </a:xfrm>
           <a:prstGeom prst="rect">
@@ -8127,14 +7948,14 @@
           <a:lstStyle/>
           <a:p>
             <a:r>
-              <a:rPr lang="en" sz="1800">
+              <a:rPr lang="en" sz="1800" dirty="0">
                 <a:solidFill>
                   <a:schemeClr val="dk2"/>
                 </a:solidFill>
               </a:rPr>
               <a:t>x</a:t>
             </a:r>
-            <a:endParaRPr sz="1800">
+            <a:endParaRPr sz="1800" dirty="0">
               <a:solidFill>
                 <a:schemeClr val="dk2"/>
               </a:solidFill>
@@ -8150,7 +7971,7 @@
         </p:nvSpPr>
         <p:spPr>
           <a:xfrm>
-            <a:off x="4344142" y="4838715"/>
+            <a:off x="3867623" y="4838715"/>
             <a:ext cx="1722900" cy="379800"/>
           </a:xfrm>
           <a:prstGeom prst="rect">
@@ -8216,7 +8037,7 @@
         </p:nvGrpSpPr>
         <p:grpSpPr>
           <a:xfrm>
-            <a:off x="1294156" y="3927066"/>
+            <a:off x="817637" y="3927066"/>
             <a:ext cx="2566346" cy="1460584"/>
             <a:chOff x="2040432" y="987818"/>
             <a:chExt cx="2566346" cy="1460584"/>
@@ -9186,7 +9007,7 @@
         </p:blipFill>
         <p:spPr>
           <a:xfrm>
-            <a:off x="3237757" y="5024652"/>
+            <a:off x="2761238" y="5024652"/>
             <a:ext cx="294973" cy="317990"/>
           </a:xfrm>
           <a:prstGeom prst="rect">
@@ -9213,7 +9034,7 @@
         </p:blipFill>
         <p:spPr>
           <a:xfrm>
-            <a:off x="3237757" y="4676906"/>
+            <a:off x="2761238" y="4676906"/>
             <a:ext cx="294973" cy="317990"/>
           </a:xfrm>
           <a:prstGeom prst="rect">
@@ -9240,7 +9061,7 @@
         </p:blipFill>
         <p:spPr>
           <a:xfrm>
-            <a:off x="3240968" y="4329266"/>
+            <a:off x="2764449" y="4329266"/>
             <a:ext cx="294973" cy="317990"/>
           </a:xfrm>
           <a:prstGeom prst="rect">
@@ -9260,8 +9081,8 @@
         </p:nvSpPr>
         <p:spPr>
           <a:xfrm>
-            <a:off x="4420342" y="5110927"/>
-            <a:ext cx="3342300" cy="906000"/>
+            <a:off x="3943823" y="5110927"/>
+            <a:ext cx="3340540" cy="906000"/>
           </a:xfrm>
           <a:prstGeom prst="rect">
             <a:avLst/>
@@ -9299,7 +9120,7 @@
         </p:nvGrpSpPr>
         <p:grpSpPr>
           <a:xfrm>
-            <a:off x="4563967" y="5163728"/>
+            <a:off x="4087448" y="5175017"/>
             <a:ext cx="181050" cy="344125"/>
             <a:chOff x="4626397" y="568297"/>
             <a:chExt cx="524630" cy="997175"/>
@@ -9368,8 +9189,8 @@
         </p:nvSpPr>
         <p:spPr>
           <a:xfrm>
-            <a:off x="4720155" y="5112427"/>
-            <a:ext cx="1225800" cy="431100"/>
+            <a:off x="4243635" y="5089849"/>
+            <a:ext cx="2041629" cy="431100"/>
           </a:xfrm>
           <a:prstGeom prst="rect">
             <a:avLst/>
@@ -9392,7 +9213,7 @@
               <a:buSzPts val="1100"/>
             </a:pPr>
             <a:r>
-              <a:rPr lang="en" sz="1000">
+              <a:rPr lang="en" sz="1000" dirty="0">
                 <a:solidFill>
                   <a:schemeClr val="dk2"/>
                 </a:solidFill>
@@ -9401,9 +9222,29 @@
                 <a:cs typeface="Helvetica Neue"/>
                 <a:sym typeface="Helvetica Neue"/>
               </a:rPr>
-              <a:t>Malignant or Benign?</a:t>
+              <a:t>Malignant {Abnormal}</a:t>
             </a:r>
-            <a:endParaRPr sz="1000">
+          </a:p>
+          <a:p>
+            <a:pPr>
+              <a:buClr>
+                <a:schemeClr val="dk1"/>
+              </a:buClr>
+              <a:buSzPts val="1100"/>
+            </a:pPr>
+            <a:r>
+              <a:rPr lang="en" sz="1000" dirty="0">
+                <a:solidFill>
+                  <a:schemeClr val="dk2"/>
+                </a:solidFill>
+                <a:latin typeface="Helvetica Neue"/>
+                <a:ea typeface="Helvetica Neue"/>
+                <a:cs typeface="Helvetica Neue"/>
+                <a:sym typeface="Helvetica Neue"/>
+              </a:rPr>
+              <a:t>Benign {Normal} </a:t>
+            </a:r>
+            <a:endParaRPr sz="1000" dirty="0">
               <a:solidFill>
                 <a:schemeClr val="dk2"/>
               </a:solidFill>
@@ -9414,7 +9255,7 @@
             </a:endParaRPr>
           </a:p>
           <a:p>
-            <a:endParaRPr sz="2000">
+            <a:endParaRPr sz="2000" dirty="0">
               <a:solidFill>
                 <a:schemeClr val="dk2"/>
               </a:solidFill>
@@ -9434,8 +9275,8 @@
         </p:nvSpPr>
         <p:spPr>
           <a:xfrm>
-            <a:off x="4720155" y="5573852"/>
-            <a:ext cx="1336500" cy="431100"/>
+            <a:off x="4243635" y="5619044"/>
+            <a:ext cx="1346888" cy="385907"/>
           </a:xfrm>
           <a:prstGeom prst="rect">
             <a:avLst/>
@@ -9458,7 +9299,7 @@
               <a:buSzPts val="1100"/>
             </a:pPr>
             <a:r>
-              <a:rPr lang="en" sz="1000">
+              <a:rPr lang="en" sz="1000" dirty="0">
                 <a:solidFill>
                   <a:schemeClr val="dk2"/>
                 </a:solidFill>
@@ -9467,20 +9308,9 @@
                 <a:cs typeface="Helvetica Neue"/>
                 <a:sym typeface="Helvetica Neue"/>
               </a:rPr>
-              <a:t>You are an expert dermatologist</a:t>
+              <a:t>You are an expert </a:t>
             </a:r>
-            <a:endParaRPr sz="1000">
-              <a:solidFill>
-                <a:schemeClr val="dk2"/>
-              </a:solidFill>
-              <a:latin typeface="Helvetica Neue"/>
-              <a:ea typeface="Helvetica Neue"/>
-              <a:cs typeface="Helvetica Neue"/>
-              <a:sym typeface="Helvetica Neue"/>
-            </a:endParaRPr>
-          </a:p>
-          <a:p>
-            <a:endParaRPr sz="2000">
+            <a:endParaRPr sz="2000" dirty="0">
               <a:solidFill>
                 <a:schemeClr val="dk2"/>
               </a:solidFill>
@@ -9500,8 +9330,8 @@
         </p:nvSpPr>
         <p:spPr>
           <a:xfrm>
-            <a:off x="6322116" y="5589952"/>
-            <a:ext cx="1440600" cy="379800"/>
+            <a:off x="5927914" y="5539038"/>
+            <a:ext cx="1440600" cy="284412"/>
           </a:xfrm>
           <a:prstGeom prst="rect">
             <a:avLst/>
@@ -9524,7 +9354,7 @@
               <a:buSzPts val="1100"/>
             </a:pPr>
             <a:r>
-              <a:rPr lang="en" sz="1000">
+              <a:rPr lang="en" sz="1000" dirty="0">
                 <a:solidFill>
                   <a:schemeClr val="dk2"/>
                 </a:solidFill>
@@ -9535,7 +9365,7 @@
               </a:rPr>
               <a:t>This is a matching game</a:t>
             </a:r>
-            <a:endParaRPr sz="1000">
+            <a:endParaRPr sz="1000" dirty="0">
               <a:solidFill>
                 <a:schemeClr val="dk2"/>
               </a:solidFill>
@@ -9546,7 +9376,7 @@
             </a:endParaRPr>
           </a:p>
           <a:p>
-            <a:endParaRPr sz="2000">
+            <a:endParaRPr sz="2000" dirty="0">
               <a:solidFill>
                 <a:schemeClr val="dk2"/>
               </a:solidFill>
@@ -9566,7 +9396,7 @@
         </p:nvSpPr>
         <p:spPr>
           <a:xfrm>
-            <a:off x="6327705" y="5158102"/>
+            <a:off x="5937475" y="5171117"/>
             <a:ext cx="1623300" cy="379800"/>
           </a:xfrm>
           <a:prstGeom prst="rect">
@@ -9590,7 +9420,7 @@
               <a:buSzPts val="1100"/>
             </a:pPr>
             <a:r>
-              <a:rPr lang="en" sz="1000">
+              <a:rPr lang="en" sz="1000" dirty="0">
                 <a:solidFill>
                   <a:schemeClr val="dk2"/>
                 </a:solidFill>
@@ -9601,7 +9431,7 @@
               </a:rPr>
               <a:t>Images are paintings</a:t>
             </a:r>
-            <a:endParaRPr sz="1000">
+            <a:endParaRPr sz="1000" dirty="0">
               <a:solidFill>
                 <a:schemeClr val="dk2"/>
               </a:solidFill>
@@ -9612,7 +9442,7 @@
             </a:endParaRPr>
           </a:p>
           <a:p>
-            <a:endParaRPr sz="2000">
+            <a:endParaRPr sz="2000" dirty="0">
               <a:solidFill>
                 <a:schemeClr val="dk2"/>
               </a:solidFill>
@@ -9639,7 +9469,7 @@
         </p:blipFill>
         <p:spPr>
           <a:xfrm>
-            <a:off x="6026068" y="5174475"/>
+            <a:off x="5659935" y="5171117"/>
             <a:ext cx="306601" cy="307014"/>
           </a:xfrm>
           <a:prstGeom prst="rect">
@@ -9666,7 +9496,7 @@
         </p:blipFill>
         <p:spPr>
           <a:xfrm>
-            <a:off x="6026067" y="5636644"/>
+            <a:off x="5659934" y="5640089"/>
             <a:ext cx="306601" cy="305556"/>
           </a:xfrm>
           <a:prstGeom prst="rect">
@@ -9693,7 +9523,7 @@
         </p:blipFill>
         <p:spPr>
           <a:xfrm>
-            <a:off x="4487759" y="5620852"/>
+            <a:off x="4011240" y="5620852"/>
             <a:ext cx="294973" cy="317990"/>
           </a:xfrm>
           <a:prstGeom prst="rect">
@@ -9719,7 +9549,7 @@
         </p:nvSpPr>
         <p:spPr>
           <a:xfrm>
-            <a:off x="2782179" y="3960378"/>
+            <a:off x="2305660" y="3960378"/>
             <a:ext cx="1430630" cy="351600"/>
           </a:xfrm>
           <a:prstGeom prst="rect">
@@ -9761,7 +9591,7 @@
         </p:nvSpPr>
         <p:spPr>
           <a:xfrm>
-            <a:off x="2782179" y="4312767"/>
+            <a:off x="2305660" y="4312767"/>
             <a:ext cx="1430630" cy="351600"/>
           </a:xfrm>
           <a:prstGeom prst="rect">
@@ -9803,7 +9633,7 @@
         </p:nvSpPr>
         <p:spPr>
           <a:xfrm>
-            <a:off x="2782179" y="4665155"/>
+            <a:off x="2305660" y="4665155"/>
             <a:ext cx="1430630" cy="351600"/>
           </a:xfrm>
           <a:prstGeom prst="rect">
@@ -9845,7 +9675,7 @@
         </p:nvSpPr>
         <p:spPr>
           <a:xfrm>
-            <a:off x="2782179" y="5015879"/>
+            <a:off x="2305660" y="5015879"/>
             <a:ext cx="1430630" cy="351600"/>
           </a:xfrm>
           <a:prstGeom prst="rect">
@@ -9887,7 +9717,7 @@
         </p:nvSpPr>
         <p:spPr>
           <a:xfrm>
-            <a:off x="2782692" y="3960379"/>
+            <a:off x="2306173" y="3960379"/>
             <a:ext cx="276256" cy="1408836"/>
           </a:xfrm>
           <a:prstGeom prst="rect">
@@ -9929,7 +9759,7 @@
         </p:nvSpPr>
         <p:spPr>
           <a:xfrm>
-            <a:off x="1293627" y="4992695"/>
+            <a:off x="817108" y="4992695"/>
             <a:ext cx="428100" cy="400079"/>
           </a:xfrm>
           <a:prstGeom prst="rect">
@@ -9984,7 +9814,7 @@
         </p:nvSpPr>
         <p:spPr>
           <a:xfrm>
-            <a:off x="2726148" y="4997713"/>
+            <a:off x="2249629" y="4997713"/>
             <a:ext cx="428100" cy="400079"/>
           </a:xfrm>
           <a:prstGeom prst="rect">
@@ -10046,7 +9876,7 @@
         </p:blipFill>
         <p:spPr>
           <a:xfrm>
-            <a:off x="3240969" y="3973014"/>
+            <a:off x="2764450" y="3973014"/>
             <a:ext cx="294973" cy="317990"/>
           </a:xfrm>
           <a:prstGeom prst="rect">
@@ -10079,7 +9909,7 @@
         </p:blipFill>
         <p:spPr>
           <a:xfrm>
-            <a:off x="1810832" y="4683743"/>
+            <a:off x="1334313" y="4683743"/>
             <a:ext cx="306601" cy="307014"/>
           </a:xfrm>
           <a:prstGeom prst="rect">
@@ -10112,7 +9942,7 @@
         </p:blipFill>
         <p:spPr>
           <a:xfrm>
-            <a:off x="3871477" y="5038671"/>
+            <a:off x="3394958" y="5038671"/>
             <a:ext cx="306601" cy="307014"/>
           </a:xfrm>
           <a:prstGeom prst="rect">
@@ -10138,7 +9968,7 @@
         </p:nvGrpSpPr>
         <p:grpSpPr>
           <a:xfrm>
-            <a:off x="1612136" y="2220533"/>
+            <a:off x="1135617" y="2220533"/>
             <a:ext cx="1027229" cy="1130329"/>
             <a:chOff x="1376971" y="2728460"/>
             <a:chExt cx="1144800" cy="1259700"/>
@@ -10249,7 +10079,7 @@
         </p:nvGrpSpPr>
         <p:grpSpPr>
           <a:xfrm>
-            <a:off x="1521908" y="2123564"/>
+            <a:off x="1045389" y="2123564"/>
             <a:ext cx="1027229" cy="1130329"/>
             <a:chOff x="575344" y="2355871"/>
             <a:chExt cx="1027229" cy="1130329"/>
@@ -10419,7 +10249,7 @@
         </p:nvSpPr>
         <p:spPr>
           <a:xfrm>
-            <a:off x="1072126" y="1709721"/>
+            <a:off x="595607" y="1709721"/>
             <a:ext cx="1923600" cy="456000"/>
           </a:xfrm>
           <a:prstGeom prst="rect">
@@ -10450,6 +10280,606 @@
                 <a:schemeClr val="dk1"/>
               </a:solidFill>
             </a:endParaRPr>
+          </a:p>
+        </p:txBody>
+      </p:sp>
+      <p:sp>
+        <p:nvSpPr>
+          <p:cNvPr id="20" name="Google Shape;62;p13">
+            <a:extLst>
+              <a:ext uri="{FF2B5EF4-FFF2-40B4-BE49-F238E27FC236}">
+                <a16:creationId xmlns:a16="http://schemas.microsoft.com/office/drawing/2014/main" id="{84155974-E2DD-4082-1DED-4CE28F723FBA}"/>
+              </a:ext>
+            </a:extLst>
+          </p:cNvPr>
+          <p:cNvSpPr txBox="1"/>
+          <p:nvPr/>
+        </p:nvSpPr>
+        <p:spPr>
+          <a:xfrm>
+            <a:off x="6123601" y="3229234"/>
+            <a:ext cx="2455800" cy="399000"/>
+          </a:xfrm>
+          <a:prstGeom prst="rect">
+            <a:avLst/>
+          </a:prstGeom>
+          <a:solidFill>
+            <a:schemeClr val="lt2"/>
+          </a:solidFill>
+          <a:ln>
+            <a:noFill/>
+          </a:ln>
+        </p:spPr>
+        <p:txBody>
+          <a:bodyPr spcFirstLastPara="1" wrap="square" lIns="91425" tIns="91425" rIns="91425" bIns="91425" anchor="t" anchorCtr="0">
+            <a:noAutofit/>
+          </a:bodyPr>
+          <a:lstStyle/>
+          <a:p>
+            <a:r>
+              <a:rPr lang="en" sz="1400" dirty="0">
+                <a:solidFill>
+                  <a:schemeClr val="dk2"/>
+                </a:solidFill>
+                <a:latin typeface="Consolas"/>
+                <a:ea typeface="Consolas"/>
+                <a:cs typeface="Consolas"/>
+                <a:sym typeface="Consolas"/>
+              </a:rPr>
+              <a:t>&gt; The X-ray is normal.</a:t>
+            </a:r>
+            <a:endParaRPr sz="1400" dirty="0">
+              <a:solidFill>
+                <a:schemeClr val="dk2"/>
+              </a:solidFill>
+              <a:latin typeface="Consolas"/>
+              <a:ea typeface="Consolas"/>
+              <a:cs typeface="Consolas"/>
+              <a:sym typeface="Consolas"/>
+            </a:endParaRPr>
+          </a:p>
+        </p:txBody>
+      </p:sp>
+      <p:sp>
+        <p:nvSpPr>
+          <p:cNvPr id="39" name="Google Shape;103;p13">
+            <a:extLst>
+              <a:ext uri="{FF2B5EF4-FFF2-40B4-BE49-F238E27FC236}">
+                <a16:creationId xmlns:a16="http://schemas.microsoft.com/office/drawing/2014/main" id="{AC6C8902-32E7-7E42-420B-C08F871AA469}"/>
+              </a:ext>
+            </a:extLst>
+          </p:cNvPr>
+          <p:cNvSpPr txBox="1"/>
+          <p:nvPr/>
+        </p:nvSpPr>
+        <p:spPr>
+          <a:xfrm>
+            <a:off x="11020877" y="2128022"/>
+            <a:ext cx="904500" cy="456000"/>
+          </a:xfrm>
+          <a:prstGeom prst="rect">
+            <a:avLst/>
+          </a:prstGeom>
+          <a:noFill/>
+          <a:ln>
+            <a:noFill/>
+          </a:ln>
+        </p:spPr>
+        <p:txBody>
+          <a:bodyPr spcFirstLastPara="1" wrap="square" lIns="91425" tIns="91425" rIns="91425" bIns="91425" anchor="t" anchorCtr="0">
+            <a:noAutofit/>
+          </a:bodyPr>
+          <a:lstStyle/>
+          <a:p>
+            <a:pPr algn="ctr"/>
+            <a:r>
+              <a:rPr lang="en" sz="1300" dirty="0">
+                <a:solidFill>
+                  <a:schemeClr val="dk1"/>
+                </a:solidFill>
+              </a:rPr>
+              <a:t>Age</a:t>
+            </a:r>
+            <a:endParaRPr sz="1300" dirty="0">
+              <a:solidFill>
+                <a:schemeClr val="dk1"/>
+              </a:solidFill>
+            </a:endParaRPr>
+          </a:p>
+        </p:txBody>
+      </p:sp>
+      <p:sp>
+        <p:nvSpPr>
+          <p:cNvPr id="49" name="Google Shape;79;p13">
+            <a:extLst>
+              <a:ext uri="{FF2B5EF4-FFF2-40B4-BE49-F238E27FC236}">
+                <a16:creationId xmlns:a16="http://schemas.microsoft.com/office/drawing/2014/main" id="{E7115395-F176-F224-8F2C-591738120569}"/>
+              </a:ext>
+            </a:extLst>
+          </p:cNvPr>
+          <p:cNvSpPr txBox="1"/>
+          <p:nvPr/>
+        </p:nvSpPr>
+        <p:spPr>
+          <a:xfrm>
+            <a:off x="9078538" y="2140108"/>
+            <a:ext cx="678768" cy="219194"/>
+          </a:xfrm>
+          <a:prstGeom prst="rect">
+            <a:avLst/>
+          </a:prstGeom>
+          <a:noFill/>
+          <a:ln>
+            <a:noFill/>
+          </a:ln>
+        </p:spPr>
+        <p:txBody>
+          <a:bodyPr spcFirstLastPara="1" wrap="square" lIns="91425" tIns="91425" rIns="91425" bIns="91425" anchor="t" anchorCtr="0">
+            <a:noAutofit/>
+          </a:bodyPr>
+          <a:lstStyle/>
+          <a:p>
+            <a:pPr algn="ctr"/>
+            <a:r>
+              <a:rPr lang="en" sz="800" b="1" dirty="0">
+                <a:solidFill>
+                  <a:schemeClr val="dk1"/>
+                </a:solidFill>
+              </a:rPr>
+              <a:t>TRUE</a:t>
+            </a:r>
+            <a:endParaRPr sz="800" b="1" dirty="0">
+              <a:solidFill>
+                <a:schemeClr val="dk1"/>
+              </a:solidFill>
+            </a:endParaRPr>
+          </a:p>
+        </p:txBody>
+      </p:sp>
+      <p:sp>
+        <p:nvSpPr>
+          <p:cNvPr id="50" name="Google Shape;80;p13">
+            <a:extLst>
+              <a:ext uri="{FF2B5EF4-FFF2-40B4-BE49-F238E27FC236}">
+                <a16:creationId xmlns:a16="http://schemas.microsoft.com/office/drawing/2014/main" id="{DE8B4F0A-3F4D-F659-59CC-B418C703CBA0}"/>
+              </a:ext>
+            </a:extLst>
+          </p:cNvPr>
+          <p:cNvSpPr txBox="1"/>
+          <p:nvPr/>
+        </p:nvSpPr>
+        <p:spPr>
+          <a:xfrm>
+            <a:off x="9776551" y="2138078"/>
+            <a:ext cx="666575" cy="233416"/>
+          </a:xfrm>
+          <a:prstGeom prst="rect">
+            <a:avLst/>
+          </a:prstGeom>
+          <a:noFill/>
+          <a:ln>
+            <a:noFill/>
+          </a:ln>
+        </p:spPr>
+        <p:txBody>
+          <a:bodyPr spcFirstLastPara="1" wrap="square" lIns="91425" tIns="91425" rIns="91425" bIns="91425" anchor="t" anchorCtr="0">
+            <a:noAutofit/>
+          </a:bodyPr>
+          <a:lstStyle/>
+          <a:p>
+            <a:pPr algn="ctr"/>
+            <a:r>
+              <a:rPr lang="en" sz="800" b="1" dirty="0">
+                <a:solidFill>
+                  <a:schemeClr val="dk1"/>
+                </a:solidFill>
+              </a:rPr>
+              <a:t>FALSE</a:t>
+            </a:r>
+            <a:endParaRPr sz="800" b="1" dirty="0">
+              <a:solidFill>
+                <a:schemeClr val="dk1"/>
+              </a:solidFill>
+            </a:endParaRPr>
+          </a:p>
+        </p:txBody>
+      </p:sp>
+      <p:sp>
+        <p:nvSpPr>
+          <p:cNvPr id="51" name="Google Shape;81;p13">
+            <a:extLst>
+              <a:ext uri="{FF2B5EF4-FFF2-40B4-BE49-F238E27FC236}">
+                <a16:creationId xmlns:a16="http://schemas.microsoft.com/office/drawing/2014/main" id="{44A77B5E-D6E6-31FD-8E96-2C1A4541FD1D}"/>
+              </a:ext>
+            </a:extLst>
+          </p:cNvPr>
+          <p:cNvSpPr txBox="1"/>
+          <p:nvPr/>
+        </p:nvSpPr>
+        <p:spPr>
+          <a:xfrm rot="16200000">
+            <a:off x="8637580" y="3203712"/>
+            <a:ext cx="638100" cy="268200"/>
+          </a:xfrm>
+          <a:prstGeom prst="rect">
+            <a:avLst/>
+          </a:prstGeom>
+          <a:noFill/>
+          <a:ln>
+            <a:noFill/>
+          </a:ln>
+        </p:spPr>
+        <p:txBody>
+          <a:bodyPr spcFirstLastPara="1" wrap="square" lIns="91425" tIns="91425" rIns="91425" bIns="91425" anchor="t" anchorCtr="0">
+            <a:noAutofit/>
+          </a:bodyPr>
+          <a:lstStyle/>
+          <a:p>
+            <a:pPr algn="ctr"/>
+            <a:r>
+              <a:rPr lang="en" sz="800" b="1" dirty="0">
+                <a:solidFill>
+                  <a:schemeClr val="dk1"/>
+                </a:solidFill>
+              </a:rPr>
+              <a:t>FALSE</a:t>
+            </a:r>
+            <a:endParaRPr sz="800" b="1" dirty="0">
+              <a:solidFill>
+                <a:schemeClr val="dk1"/>
+              </a:solidFill>
+            </a:endParaRPr>
+          </a:p>
+        </p:txBody>
+      </p:sp>
+      <p:sp>
+        <p:nvSpPr>
+          <p:cNvPr id="52" name="Google Shape;82;p13">
+            <a:extLst>
+              <a:ext uri="{FF2B5EF4-FFF2-40B4-BE49-F238E27FC236}">
+                <a16:creationId xmlns:a16="http://schemas.microsoft.com/office/drawing/2014/main" id="{47818B5B-2A9C-B534-0D71-D4D9B1152552}"/>
+              </a:ext>
+            </a:extLst>
+          </p:cNvPr>
+          <p:cNvSpPr txBox="1"/>
+          <p:nvPr/>
+        </p:nvSpPr>
+        <p:spPr>
+          <a:xfrm rot="16200000">
+            <a:off x="8625090" y="2584402"/>
+            <a:ext cx="637509" cy="242629"/>
+          </a:xfrm>
+          <a:prstGeom prst="rect">
+            <a:avLst/>
+          </a:prstGeom>
+          <a:noFill/>
+          <a:ln>
+            <a:noFill/>
+          </a:ln>
+        </p:spPr>
+        <p:txBody>
+          <a:bodyPr spcFirstLastPara="1" wrap="square" lIns="91425" tIns="91425" rIns="91425" bIns="91425" anchor="t" anchorCtr="0">
+            <a:noAutofit/>
+          </a:bodyPr>
+          <a:lstStyle/>
+          <a:p>
+            <a:pPr algn="ctr"/>
+            <a:r>
+              <a:rPr lang="en" sz="800" b="1" dirty="0">
+                <a:solidFill>
+                  <a:schemeClr val="dk1"/>
+                </a:solidFill>
+              </a:rPr>
+              <a:t>TRUE</a:t>
+            </a:r>
+            <a:endParaRPr sz="800" b="1" dirty="0">
+              <a:solidFill>
+                <a:schemeClr val="dk1"/>
+              </a:solidFill>
+            </a:endParaRPr>
+          </a:p>
+        </p:txBody>
+      </p:sp>
+      <p:sp>
+        <p:nvSpPr>
+          <p:cNvPr id="125" name="Rectangle 124">
+            <a:extLst>
+              <a:ext uri="{FF2B5EF4-FFF2-40B4-BE49-F238E27FC236}">
+                <a16:creationId xmlns:a16="http://schemas.microsoft.com/office/drawing/2014/main" id="{4A910069-2D31-73ED-A848-98E0C587A3B6}"/>
+              </a:ext>
+            </a:extLst>
+          </p:cNvPr>
+          <p:cNvSpPr/>
+          <p:nvPr/>
+        </p:nvSpPr>
+        <p:spPr>
+          <a:xfrm>
+            <a:off x="13521484" y="6836478"/>
+            <a:ext cx="239947" cy="370049"/>
+          </a:xfrm>
+          <a:prstGeom prst="rect">
+            <a:avLst/>
+          </a:prstGeom>
+          <a:solidFill>
+            <a:schemeClr val="tx2">
+              <a:lumMod val="10000"/>
+            </a:schemeClr>
+          </a:solidFill>
+          <a:ln w="3175">
+            <a:solidFill>
+              <a:schemeClr val="tx1"/>
+            </a:solidFill>
+          </a:ln>
+        </p:spPr>
+        <p:style>
+          <a:lnRef idx="2">
+            <a:schemeClr val="accent1">
+              <a:shade val="15000"/>
+            </a:schemeClr>
+          </a:lnRef>
+          <a:fillRef idx="1">
+            <a:schemeClr val="accent1"/>
+          </a:fillRef>
+          <a:effectRef idx="0">
+            <a:schemeClr val="accent1"/>
+          </a:effectRef>
+          <a:fontRef idx="minor">
+            <a:schemeClr val="lt1"/>
+          </a:fontRef>
+        </p:style>
+        <p:txBody>
+          <a:bodyPr rtlCol="0" anchor="ctr"/>
+          <a:lstStyle/>
+          <a:p>
+            <a:pPr algn="ctr"/>
+            <a:endParaRPr lang="en-US" dirty="0"/>
+          </a:p>
+        </p:txBody>
+      </p:sp>
+      <p:sp>
+        <p:nvSpPr>
+          <p:cNvPr id="159" name="Rectangle 158">
+            <a:extLst>
+              <a:ext uri="{FF2B5EF4-FFF2-40B4-BE49-F238E27FC236}">
+                <a16:creationId xmlns:a16="http://schemas.microsoft.com/office/drawing/2014/main" id="{FA826E5C-F039-B817-7600-D8629FE36C07}"/>
+              </a:ext>
+            </a:extLst>
+          </p:cNvPr>
+          <p:cNvSpPr/>
+          <p:nvPr/>
+        </p:nvSpPr>
+        <p:spPr>
+          <a:xfrm>
+            <a:off x="13521484" y="7234711"/>
+            <a:ext cx="239947" cy="373188"/>
+          </a:xfrm>
+          <a:prstGeom prst="rect">
+            <a:avLst/>
+          </a:prstGeom>
+          <a:solidFill>
+            <a:schemeClr val="tx2">
+              <a:lumMod val="50000"/>
+            </a:schemeClr>
+          </a:solidFill>
+          <a:ln w="3175">
+            <a:solidFill>
+              <a:schemeClr val="bg2"/>
+            </a:solidFill>
+          </a:ln>
+        </p:spPr>
+        <p:style>
+          <a:lnRef idx="2">
+            <a:schemeClr val="accent1">
+              <a:shade val="15000"/>
+            </a:schemeClr>
+          </a:lnRef>
+          <a:fillRef idx="1">
+            <a:schemeClr val="accent1"/>
+          </a:fillRef>
+          <a:effectRef idx="0">
+            <a:schemeClr val="accent1"/>
+          </a:effectRef>
+          <a:fontRef idx="minor">
+            <a:schemeClr val="lt1"/>
+          </a:fontRef>
+        </p:style>
+        <p:txBody>
+          <a:bodyPr rtlCol="0" anchor="ctr"/>
+          <a:lstStyle/>
+          <a:p>
+            <a:pPr algn="ctr"/>
+            <a:endParaRPr lang="en-US" dirty="0"/>
+          </a:p>
+        </p:txBody>
+      </p:sp>
+      <p:sp>
+        <p:nvSpPr>
+          <p:cNvPr id="160" name="Rectangle 159">
+            <a:extLst>
+              <a:ext uri="{FF2B5EF4-FFF2-40B4-BE49-F238E27FC236}">
+                <a16:creationId xmlns:a16="http://schemas.microsoft.com/office/drawing/2014/main" id="{E74DDA0F-017E-F4D5-261E-CC888A9BB0B8}"/>
+              </a:ext>
+            </a:extLst>
+          </p:cNvPr>
+          <p:cNvSpPr/>
+          <p:nvPr/>
+        </p:nvSpPr>
+        <p:spPr>
+          <a:xfrm>
+            <a:off x="13521484" y="7639031"/>
+            <a:ext cx="239947" cy="373187"/>
+          </a:xfrm>
+          <a:prstGeom prst="rect">
+            <a:avLst/>
+          </a:prstGeom>
+          <a:solidFill>
+            <a:schemeClr val="tx2">
+              <a:lumMod val="90000"/>
+            </a:schemeClr>
+          </a:solidFill>
+          <a:ln w="3175">
+            <a:solidFill>
+              <a:schemeClr val="tx2">
+                <a:lumMod val="90000"/>
+              </a:schemeClr>
+            </a:solidFill>
+          </a:ln>
+        </p:spPr>
+        <p:style>
+          <a:lnRef idx="2">
+            <a:schemeClr val="accent1">
+              <a:shade val="15000"/>
+            </a:schemeClr>
+          </a:lnRef>
+          <a:fillRef idx="1">
+            <a:schemeClr val="accent1"/>
+          </a:fillRef>
+          <a:effectRef idx="0">
+            <a:schemeClr val="accent1"/>
+          </a:effectRef>
+          <a:fontRef idx="minor">
+            <a:schemeClr val="lt1"/>
+          </a:fontRef>
+        </p:style>
+        <p:txBody>
+          <a:bodyPr rtlCol="0" anchor="ctr"/>
+          <a:lstStyle/>
+          <a:p>
+            <a:pPr algn="ctr"/>
+            <a:endParaRPr lang="en-US" dirty="0"/>
+          </a:p>
+        </p:txBody>
+      </p:sp>
+      <p:pic>
+        <p:nvPicPr>
+          <p:cNvPr id="166" name="Picture 165">
+            <a:extLst>
+              <a:ext uri="{FF2B5EF4-FFF2-40B4-BE49-F238E27FC236}">
+                <a16:creationId xmlns:a16="http://schemas.microsoft.com/office/drawing/2014/main" id="{2743A621-5DDC-177A-37BA-4CAB5CC860D3}"/>
+              </a:ext>
+            </a:extLst>
+          </p:cNvPr>
+          <p:cNvPicPr>
+            <a:picLocks noChangeAspect="1"/>
+          </p:cNvPicPr>
+          <p:nvPr/>
+        </p:nvPicPr>
+        <p:blipFill rotWithShape="1">
+          <a:blip r:embed="rId15"/>
+          <a:srcRect l="-1" r="62236" b="56131"/>
+          <a:stretch/>
+        </p:blipFill>
+        <p:spPr>
+          <a:xfrm>
+            <a:off x="11316583" y="2421841"/>
+            <a:ext cx="352875" cy="409913"/>
+          </a:xfrm>
+          <a:prstGeom prst="rect">
+            <a:avLst/>
+          </a:prstGeom>
+        </p:spPr>
+      </p:pic>
+      <p:sp>
+        <p:nvSpPr>
+          <p:cNvPr id="167" name="Down Arrow 166">
+            <a:extLst>
+              <a:ext uri="{FF2B5EF4-FFF2-40B4-BE49-F238E27FC236}">
+                <a16:creationId xmlns:a16="http://schemas.microsoft.com/office/drawing/2014/main" id="{ABFA5BEA-F54D-AA4D-0478-49AC6B435126}"/>
+              </a:ext>
+            </a:extLst>
+          </p:cNvPr>
+          <p:cNvSpPr/>
+          <p:nvPr/>
+        </p:nvSpPr>
+        <p:spPr>
+          <a:xfrm>
+            <a:off x="11368839" y="2845817"/>
+            <a:ext cx="197263" cy="810008"/>
+          </a:xfrm>
+          <a:prstGeom prst="downArrow">
+            <a:avLst/>
+          </a:prstGeom>
+          <a:solidFill>
+            <a:schemeClr val="tx1"/>
+          </a:solidFill>
+          <a:ln>
+            <a:noFill/>
+          </a:ln>
+        </p:spPr>
+        <p:style>
+          <a:lnRef idx="2">
+            <a:schemeClr val="accent1">
+              <a:shade val="15000"/>
+            </a:schemeClr>
+          </a:lnRef>
+          <a:fillRef idx="1">
+            <a:schemeClr val="accent1"/>
+          </a:fillRef>
+          <a:effectRef idx="0">
+            <a:schemeClr val="accent1"/>
+          </a:effectRef>
+          <a:fontRef idx="minor">
+            <a:schemeClr val="lt1"/>
+          </a:fontRef>
+        </p:style>
+        <p:txBody>
+          <a:bodyPr rtlCol="0" anchor="ctr"/>
+          <a:lstStyle/>
+          <a:p>
+            <a:pPr algn="ctr"/>
+            <a:endParaRPr lang="en-US"/>
+          </a:p>
+        </p:txBody>
+      </p:sp>
+      <p:sp>
+        <p:nvSpPr>
+          <p:cNvPr id="168" name="Rectangle 167">
+            <a:extLst>
+              <a:ext uri="{FF2B5EF4-FFF2-40B4-BE49-F238E27FC236}">
+                <a16:creationId xmlns:a16="http://schemas.microsoft.com/office/drawing/2014/main" id="{1171A4E7-51F7-13BD-D113-9D30B2D621C1}"/>
+              </a:ext>
+            </a:extLst>
+          </p:cNvPr>
+          <p:cNvSpPr/>
+          <p:nvPr/>
+        </p:nvSpPr>
+        <p:spPr>
+          <a:xfrm>
+            <a:off x="11630905" y="2612823"/>
+            <a:ext cx="221052" cy="261748"/>
+          </a:xfrm>
+          <a:prstGeom prst="rect">
+            <a:avLst/>
+          </a:prstGeom>
+          <a:solidFill>
+            <a:schemeClr val="bg1"/>
+          </a:solidFill>
+          <a:ln>
+            <a:noFill/>
+          </a:ln>
+        </p:spPr>
+        <p:style>
+          <a:lnRef idx="2">
+            <a:schemeClr val="accent1">
+              <a:shade val="15000"/>
+            </a:schemeClr>
+          </a:lnRef>
+          <a:fillRef idx="1">
+            <a:schemeClr val="accent1"/>
+          </a:fillRef>
+          <a:effectRef idx="0">
+            <a:schemeClr val="accent1"/>
+          </a:effectRef>
+          <a:fontRef idx="minor">
+            <a:schemeClr val="lt1"/>
+          </a:fontRef>
+        </p:style>
+        <p:txBody>
+          <a:bodyPr rtlCol="0" anchor="ctr"/>
+          <a:lstStyle/>
+          <a:p>
+            <a:pPr algn="ctr"/>
+            <a:endParaRPr lang="en-US"/>
           </a:p>
         </p:txBody>
       </p:sp>
